--- a/MRA/Deliverables/MRATaxpayerApp-SCREEN-DESIGNS-AND-MENUS.pptx
+++ b/MRA/Deliverables/MRATaxpayerApp-SCREEN-DESIGNS-AND-MENUS.pptx
@@ -17,7 +17,10 @@
     <p:sldId id="265" r:id="rId11"/>
     <p:sldId id="266" r:id="rId12"/>
     <p:sldId id="267" r:id="rId13"/>
-    <p:sldId id="268" r:id="rId14"/>
+    <p:sldId id="269" r:id="rId14"/>
+    <p:sldId id="270" r:id="rId15"/>
+    <p:sldId id="271" r:id="rId16"/>
+    <p:sldId id="268" r:id="rId17"/>
   </p:sldIdLst>
   <p:sldSz cx="12192000" cy="6858000"/>
   <p:notesSz cx="6858000" cy="9144000"/>
@@ -116,6 +119,11 @@
       </a:defRPr>
     </a:lvl9pPr>
   </p:defaultTextStyle>
+  <p:extLst>
+    <p:ext uri="{EFAFB233-063F-42B5-8137-9DF3F51BA10A}">
+      <p15:sldGuideLst xmlns:p15="http://schemas.microsoft.com/office/powerpoint/2012/main"/>
+    </p:ext>
+  </p:extLst>
 </p:presentation>
 </file>
 
@@ -3331,6 +3339,345 @@
         </p:nvSpPr>
         <p:spPr/>
         <p:txBody>
+          <a:bodyPr>
+            <a:normAutofit fontScale="90000"/>
+          </a:bodyPr>
+          <a:lstStyle/>
+          <a:p>
+            <a:pPr algn="ctr"/>
+            <a:r>
+              <a:rPr lang="en-GB" dirty="0" smtClean="0"/>
+              <a:t>Showing </a:t>
+            </a:r>
+            <a:r>
+              <a:rPr lang="en-GB" dirty="0" err="1" smtClean="0"/>
+              <a:t>json</a:t>
+            </a:r>
+            <a:r>
+              <a:rPr lang="en-GB" dirty="0" smtClean="0"/>
+              <a:t> data from the </a:t>
+            </a:r>
+            <a:r>
+              <a:rPr lang="en-GB" dirty="0" err="1" smtClean="0"/>
+              <a:t>getall</a:t>
+            </a:r>
+            <a:r>
+              <a:rPr lang="en-GB" dirty="0" smtClean="0"/>
+              <a:t> web service. This data then goes into a table then bound to a grid view. The user can then use it to select records to edit etc. this is unfinished…</a:t>
+            </a:r>
+            <a:endParaRPr lang="en-GB" dirty="0"/>
+          </a:p>
+        </p:txBody>
+      </p:sp>
+      <p:pic>
+        <p:nvPicPr>
+          <p:cNvPr id="5" name="Content Placeholder 4"/>
+          <p:cNvPicPr>
+            <a:picLocks noGrp="1" noChangeAspect="1"/>
+          </p:cNvPicPr>
+          <p:nvPr>
+            <p:ph idx="1"/>
+          </p:nvPr>
+        </p:nvPicPr>
+        <p:blipFill>
+          <a:blip r:embed="rId2"/>
+          <a:stretch>
+            <a:fillRect/>
+          </a:stretch>
+        </p:blipFill>
+        <p:spPr>
+          <a:xfrm>
+            <a:off x="4133850" y="2463006"/>
+            <a:ext cx="3924300" cy="3076575"/>
+          </a:xfrm>
+          <a:prstGeom prst="rect">
+            <a:avLst/>
+          </a:prstGeom>
+        </p:spPr>
+      </p:pic>
+    </p:spTree>
+    <p:extLst>
+      <p:ext uri="{BB962C8B-B14F-4D97-AF65-F5344CB8AC3E}">
+        <p14:creationId xmlns:p14="http://schemas.microsoft.com/office/powerpoint/2010/main" val="3188513662"/>
+      </p:ext>
+    </p:extLst>
+  </p:cSld>
+  <p:clrMapOvr>
+    <a:masterClrMapping/>
+  </p:clrMapOvr>
+</p:sld>
+</file>
+
+<file path=ppt/slides/slide14.xml><?xml version="1.0" encoding="utf-8"?>
+<p:sld xmlns:a="http://schemas.openxmlformats.org/drawingml/2006/main" xmlns:r="http://schemas.openxmlformats.org/officeDocument/2006/relationships" xmlns:p="http://schemas.openxmlformats.org/presentationml/2006/main">
+  <p:cSld>
+    <p:spTree>
+      <p:nvGrpSpPr>
+        <p:cNvPr id="1" name=""/>
+        <p:cNvGrpSpPr/>
+        <p:nvPr/>
+      </p:nvGrpSpPr>
+      <p:grpSpPr>
+        <a:xfrm>
+          <a:off x="0" y="0"/>
+          <a:ext cx="0" cy="0"/>
+          <a:chOff x="0" y="0"/>
+          <a:chExt cx="0" cy="0"/>
+        </a:xfrm>
+      </p:grpSpPr>
+      <p:sp>
+        <p:nvSpPr>
+          <p:cNvPr id="2" name="Title 1"/>
+          <p:cNvSpPr>
+            <a:spLocks noGrp="1"/>
+          </p:cNvSpPr>
+          <p:nvPr>
+            <p:ph type="title"/>
+          </p:nvPr>
+        </p:nvSpPr>
+        <p:spPr/>
+        <p:txBody>
+          <a:bodyPr>
+            <a:normAutofit/>
+          </a:bodyPr>
+          <a:lstStyle/>
+          <a:p>
+            <a:pPr algn="ctr"/>
+            <a:r>
+              <a:rPr lang="en-GB" sz="2800" dirty="0" smtClean="0"/>
+              <a:t>Showing </a:t>
+            </a:r>
+            <a:r>
+              <a:rPr lang="en-GB" sz="2800" dirty="0" err="1" smtClean="0"/>
+              <a:t>json</a:t>
+            </a:r>
+            <a:r>
+              <a:rPr lang="en-GB" sz="2800" dirty="0" smtClean="0"/>
+              <a:t> data from the </a:t>
+            </a:r>
+            <a:r>
+              <a:rPr lang="en-GB" sz="2800" dirty="0" err="1" smtClean="0"/>
+              <a:t>getall</a:t>
+            </a:r>
+            <a:r>
+              <a:rPr lang="en-GB" sz="2800" dirty="0" smtClean="0"/>
+              <a:t> web service. The data is now in the grid view. The idea is that when the user selects the data, the data input panel on the left gets automatically updated ready for edit!</a:t>
+            </a:r>
+            <a:endParaRPr lang="en-GB" sz="2800" dirty="0"/>
+          </a:p>
+        </p:txBody>
+      </p:sp>
+      <p:pic>
+        <p:nvPicPr>
+          <p:cNvPr id="4" name="Content Placeholder 3"/>
+          <p:cNvPicPr>
+            <a:picLocks noGrp="1" noChangeAspect="1"/>
+          </p:cNvPicPr>
+          <p:nvPr>
+            <p:ph idx="1"/>
+          </p:nvPr>
+        </p:nvPicPr>
+        <p:blipFill>
+          <a:blip r:embed="rId2"/>
+          <a:stretch>
+            <a:fillRect/>
+          </a:stretch>
+        </p:blipFill>
+        <p:spPr>
+          <a:xfrm>
+            <a:off x="2237185" y="2181225"/>
+            <a:ext cx="7717629" cy="4351338"/>
+          </a:xfrm>
+          <a:prstGeom prst="rect">
+            <a:avLst/>
+          </a:prstGeom>
+        </p:spPr>
+      </p:pic>
+    </p:spTree>
+    <p:extLst>
+      <p:ext uri="{BB962C8B-B14F-4D97-AF65-F5344CB8AC3E}">
+        <p14:creationId xmlns:p14="http://schemas.microsoft.com/office/powerpoint/2010/main" val="3091354332"/>
+      </p:ext>
+    </p:extLst>
+  </p:cSld>
+  <p:clrMapOvr>
+    <a:masterClrMapping/>
+  </p:clrMapOvr>
+</p:sld>
+</file>
+
+<file path=ppt/slides/slide15.xml><?xml version="1.0" encoding="utf-8"?>
+<p:sld xmlns:a="http://schemas.openxmlformats.org/drawingml/2006/main" xmlns:r="http://schemas.openxmlformats.org/officeDocument/2006/relationships" xmlns:p="http://schemas.openxmlformats.org/presentationml/2006/main">
+  <p:cSld>
+    <p:spTree>
+      <p:nvGrpSpPr>
+        <p:cNvPr id="1" name=""/>
+        <p:cNvGrpSpPr/>
+        <p:nvPr/>
+      </p:nvGrpSpPr>
+      <p:grpSpPr>
+        <a:xfrm>
+          <a:off x="0" y="0"/>
+          <a:ext cx="0" cy="0"/>
+          <a:chOff x="0" y="0"/>
+          <a:chExt cx="0" cy="0"/>
+        </a:xfrm>
+      </p:grpSpPr>
+      <p:sp>
+        <p:nvSpPr>
+          <p:cNvPr id="2" name="Title 1"/>
+          <p:cNvSpPr>
+            <a:spLocks noGrp="1"/>
+          </p:cNvSpPr>
+          <p:nvPr>
+            <p:ph type="title"/>
+          </p:nvPr>
+        </p:nvSpPr>
+        <p:spPr/>
+        <p:txBody>
+          <a:bodyPr>
+            <a:normAutofit/>
+          </a:bodyPr>
+          <a:lstStyle/>
+          <a:p>
+            <a:pPr algn="ctr"/>
+            <a:r>
+              <a:rPr lang="en-GB" sz="2800" dirty="0" smtClean="0"/>
+              <a:t>Showing </a:t>
+            </a:r>
+            <a:r>
+              <a:rPr lang="en-GB" sz="2800" dirty="0" err="1" smtClean="0"/>
+              <a:t>json</a:t>
+            </a:r>
+            <a:r>
+              <a:rPr lang="en-GB" sz="2800" dirty="0" smtClean="0"/>
+              <a:t> data from the </a:t>
+            </a:r>
+            <a:r>
+              <a:rPr lang="en-GB" sz="2800" dirty="0" err="1" smtClean="0"/>
+              <a:t>getall</a:t>
+            </a:r>
+            <a:r>
+              <a:rPr lang="en-GB" sz="2800" dirty="0" smtClean="0"/>
+              <a:t> web service. The data is now in the grid view. The idea is that when the user selects the data, the data input panel on the left gets automatically updated ready for edit!</a:t>
+            </a:r>
+            <a:endParaRPr lang="en-GB" sz="2800" dirty="0"/>
+          </a:p>
+        </p:txBody>
+      </p:sp>
+      <p:sp>
+        <p:nvSpPr>
+          <p:cNvPr id="3" name="Content Placeholder 2"/>
+          <p:cNvSpPr>
+            <a:spLocks noGrp="1"/>
+          </p:cNvSpPr>
+          <p:nvPr>
+            <p:ph idx="1"/>
+          </p:nvPr>
+        </p:nvSpPr>
+        <p:spPr/>
+        <p:txBody>
+          <a:bodyPr/>
+          <a:lstStyle/>
+          <a:p>
+            <a:r>
+              <a:rPr lang="en-GB" dirty="0" smtClean="0"/>
+              <a:t>All the functions were tested and they work in this beta version. The user credentials are hardcoded though.</a:t>
+            </a:r>
+          </a:p>
+          <a:p>
+            <a:r>
+              <a:rPr lang="en-GB" dirty="0" smtClean="0"/>
+              <a:t>Just need to </a:t>
+            </a:r>
+            <a:r>
+              <a:rPr lang="en-GB" dirty="0" err="1" smtClean="0"/>
+              <a:t>deserialise</a:t>
+            </a:r>
+            <a:r>
+              <a:rPr lang="en-GB" dirty="0" smtClean="0"/>
+              <a:t> the </a:t>
+            </a:r>
+            <a:r>
+              <a:rPr lang="en-GB" dirty="0" err="1" smtClean="0"/>
+              <a:t>json</a:t>
+            </a:r>
+            <a:r>
+              <a:rPr lang="en-GB" dirty="0" smtClean="0"/>
+              <a:t> data to extract token </a:t>
+            </a:r>
+            <a:r>
+              <a:rPr lang="en-GB" dirty="0" err="1" smtClean="0"/>
+              <a:t>etc</a:t>
+            </a:r>
+            <a:r>
+              <a:rPr lang="en-GB" dirty="0" smtClean="0"/>
+              <a:t> as demonstrated with the </a:t>
+            </a:r>
+            <a:r>
+              <a:rPr lang="en-GB" dirty="0" err="1" smtClean="0"/>
+              <a:t>getall</a:t>
+            </a:r>
+            <a:r>
+              <a:rPr lang="en-GB" dirty="0" smtClean="0"/>
+              <a:t> web call that works. Then use the token in the other function calls delete edit etc.</a:t>
+            </a:r>
+          </a:p>
+          <a:p>
+            <a:r>
+              <a:rPr lang="en-GB" dirty="0" smtClean="0"/>
+              <a:t>Out of time, I hope this meets with your </a:t>
+            </a:r>
+            <a:r>
+              <a:rPr lang="en-GB" smtClean="0"/>
+              <a:t>considerate review…</a:t>
+            </a:r>
+            <a:endParaRPr lang="en-GB"/>
+          </a:p>
+        </p:txBody>
+      </p:sp>
+    </p:spTree>
+    <p:extLst>
+      <p:ext uri="{BB962C8B-B14F-4D97-AF65-F5344CB8AC3E}">
+        <p14:creationId xmlns:p14="http://schemas.microsoft.com/office/powerpoint/2010/main" val="1322839664"/>
+      </p:ext>
+    </p:extLst>
+  </p:cSld>
+  <p:clrMapOvr>
+    <a:masterClrMapping/>
+  </p:clrMapOvr>
+</p:sld>
+</file>
+
+<file path=ppt/slides/slide16.xml><?xml version="1.0" encoding="utf-8"?>
+<p:sld xmlns:a="http://schemas.openxmlformats.org/drawingml/2006/main" xmlns:r="http://schemas.openxmlformats.org/officeDocument/2006/relationships" xmlns:p="http://schemas.openxmlformats.org/presentationml/2006/main">
+  <p:cSld>
+    <p:spTree>
+      <p:nvGrpSpPr>
+        <p:cNvPr id="1" name=""/>
+        <p:cNvGrpSpPr/>
+        <p:nvPr/>
+      </p:nvGrpSpPr>
+      <p:grpSpPr>
+        <a:xfrm>
+          <a:off x="0" y="0"/>
+          <a:ext cx="0" cy="0"/>
+          <a:chOff x="0" y="0"/>
+          <a:chExt cx="0" cy="0"/>
+        </a:xfrm>
+      </p:grpSpPr>
+      <p:sp>
+        <p:nvSpPr>
+          <p:cNvPr id="2" name="Title 1"/>
+          <p:cNvSpPr>
+            <a:spLocks noGrp="1"/>
+          </p:cNvSpPr>
+          <p:nvPr>
+            <p:ph type="title"/>
+          </p:nvPr>
+        </p:nvSpPr>
+        <p:spPr/>
+        <p:txBody>
           <a:bodyPr/>
           <a:lstStyle/>
           <a:p>

--- a/MRA/Deliverables/MRATaxpayerApp-SCREEN-DESIGNS-AND-MENUS.pptx
+++ b/MRA/Deliverables/MRATaxpayerApp-SCREEN-DESIGNS-AND-MENUS.pptx
@@ -6,21 +6,23 @@
   </p:sldMasterIdLst>
   <p:sldIdLst>
     <p:sldId id="256" r:id="rId2"/>
-    <p:sldId id="257" r:id="rId3"/>
-    <p:sldId id="258" r:id="rId4"/>
-    <p:sldId id="259" r:id="rId5"/>
-    <p:sldId id="260" r:id="rId6"/>
-    <p:sldId id="261" r:id="rId7"/>
-    <p:sldId id="262" r:id="rId8"/>
-    <p:sldId id="263" r:id="rId9"/>
-    <p:sldId id="264" r:id="rId10"/>
-    <p:sldId id="265" r:id="rId11"/>
-    <p:sldId id="266" r:id="rId12"/>
-    <p:sldId id="267" r:id="rId13"/>
-    <p:sldId id="269" r:id="rId14"/>
-    <p:sldId id="270" r:id="rId15"/>
-    <p:sldId id="271" r:id="rId16"/>
-    <p:sldId id="268" r:id="rId17"/>
+    <p:sldId id="272" r:id="rId3"/>
+    <p:sldId id="273" r:id="rId4"/>
+    <p:sldId id="257" r:id="rId5"/>
+    <p:sldId id="258" r:id="rId6"/>
+    <p:sldId id="259" r:id="rId7"/>
+    <p:sldId id="260" r:id="rId8"/>
+    <p:sldId id="261" r:id="rId9"/>
+    <p:sldId id="262" r:id="rId10"/>
+    <p:sldId id="263" r:id="rId11"/>
+    <p:sldId id="264" r:id="rId12"/>
+    <p:sldId id="265" r:id="rId13"/>
+    <p:sldId id="266" r:id="rId14"/>
+    <p:sldId id="267" r:id="rId15"/>
+    <p:sldId id="269" r:id="rId16"/>
+    <p:sldId id="270" r:id="rId17"/>
+    <p:sldId id="271" r:id="rId18"/>
+    <p:sldId id="268" r:id="rId19"/>
   </p:sldIdLst>
   <p:sldSz cx="12192000" cy="6858000"/>
   <p:notesSz cx="6858000" cy="9144000"/>
@@ -258,7 +260,7 @@
           <a:p>
             <a:fld id="{C00C1C9C-7078-4AF1-84B9-2F1F9D90A6EB}" type="datetimeFigureOut">
               <a:rPr lang="en-GB" smtClean="0"/>
-              <a:t>26/11/2021</a:t>
+              <a:t>29/11/2021</a:t>
             </a:fld>
             <a:endParaRPr lang="en-GB"/>
           </a:p>
@@ -428,7 +430,7 @@
           <a:p>
             <a:fld id="{C00C1C9C-7078-4AF1-84B9-2F1F9D90A6EB}" type="datetimeFigureOut">
               <a:rPr lang="en-GB" smtClean="0"/>
-              <a:t>26/11/2021</a:t>
+              <a:t>29/11/2021</a:t>
             </a:fld>
             <a:endParaRPr lang="en-GB"/>
           </a:p>
@@ -608,7 +610,7 @@
           <a:p>
             <a:fld id="{C00C1C9C-7078-4AF1-84B9-2F1F9D90A6EB}" type="datetimeFigureOut">
               <a:rPr lang="en-GB" smtClean="0"/>
-              <a:t>26/11/2021</a:t>
+              <a:t>29/11/2021</a:t>
             </a:fld>
             <a:endParaRPr lang="en-GB"/>
           </a:p>
@@ -778,7 +780,7 @@
           <a:p>
             <a:fld id="{C00C1C9C-7078-4AF1-84B9-2F1F9D90A6EB}" type="datetimeFigureOut">
               <a:rPr lang="en-GB" smtClean="0"/>
-              <a:t>26/11/2021</a:t>
+              <a:t>29/11/2021</a:t>
             </a:fld>
             <a:endParaRPr lang="en-GB"/>
           </a:p>
@@ -1024,7 +1026,7 @@
           <a:p>
             <a:fld id="{C00C1C9C-7078-4AF1-84B9-2F1F9D90A6EB}" type="datetimeFigureOut">
               <a:rPr lang="en-GB" smtClean="0"/>
-              <a:t>26/11/2021</a:t>
+              <a:t>29/11/2021</a:t>
             </a:fld>
             <a:endParaRPr lang="en-GB"/>
           </a:p>
@@ -1256,7 +1258,7 @@
           <a:p>
             <a:fld id="{C00C1C9C-7078-4AF1-84B9-2F1F9D90A6EB}" type="datetimeFigureOut">
               <a:rPr lang="en-GB" smtClean="0"/>
-              <a:t>26/11/2021</a:t>
+              <a:t>29/11/2021</a:t>
             </a:fld>
             <a:endParaRPr lang="en-GB"/>
           </a:p>
@@ -1623,7 +1625,7 @@
           <a:p>
             <a:fld id="{C00C1C9C-7078-4AF1-84B9-2F1F9D90A6EB}" type="datetimeFigureOut">
               <a:rPr lang="en-GB" smtClean="0"/>
-              <a:t>26/11/2021</a:t>
+              <a:t>29/11/2021</a:t>
             </a:fld>
             <a:endParaRPr lang="en-GB"/>
           </a:p>
@@ -1741,7 +1743,7 @@
           <a:p>
             <a:fld id="{C00C1C9C-7078-4AF1-84B9-2F1F9D90A6EB}" type="datetimeFigureOut">
               <a:rPr lang="en-GB" smtClean="0"/>
-              <a:t>26/11/2021</a:t>
+              <a:t>29/11/2021</a:t>
             </a:fld>
             <a:endParaRPr lang="en-GB"/>
           </a:p>
@@ -1836,7 +1838,7 @@
           <a:p>
             <a:fld id="{C00C1C9C-7078-4AF1-84B9-2F1F9D90A6EB}" type="datetimeFigureOut">
               <a:rPr lang="en-GB" smtClean="0"/>
-              <a:t>26/11/2021</a:t>
+              <a:t>29/11/2021</a:t>
             </a:fld>
             <a:endParaRPr lang="en-GB"/>
           </a:p>
@@ -2113,7 +2115,7 @@
           <a:p>
             <a:fld id="{C00C1C9C-7078-4AF1-84B9-2F1F9D90A6EB}" type="datetimeFigureOut">
               <a:rPr lang="en-GB" smtClean="0"/>
-              <a:t>26/11/2021</a:t>
+              <a:t>29/11/2021</a:t>
             </a:fld>
             <a:endParaRPr lang="en-GB"/>
           </a:p>
@@ -2366,7 +2368,7 @@
           <a:p>
             <a:fld id="{C00C1C9C-7078-4AF1-84B9-2F1F9D90A6EB}" type="datetimeFigureOut">
               <a:rPr lang="en-GB" smtClean="0"/>
-              <a:t>26/11/2021</a:t>
+              <a:t>29/11/2021</a:t>
             </a:fld>
             <a:endParaRPr lang="en-GB"/>
           </a:p>
@@ -2579,7 +2581,7 @@
           <a:p>
             <a:fld id="{C00C1C9C-7078-4AF1-84B9-2F1F9D90A6EB}" type="datetimeFigureOut">
               <a:rPr lang="en-GB" smtClean="0"/>
-              <a:t>26/11/2021</a:t>
+              <a:t>29/11/2021</a:t>
             </a:fld>
             <a:endParaRPr lang="en-GB"/>
           </a:p>
@@ -3000,10 +3002,24 @@
           <a:lstStyle/>
           <a:p>
             <a:r>
-              <a:rPr lang="en-GB" dirty="0" smtClean="0"/>
+              <a:rPr lang="en-GB" dirty="0" smtClean="0">
+                <a:solidFill>
+                  <a:schemeClr val="accent6">
+                    <a:lumMod val="75000"/>
+                  </a:schemeClr>
+                </a:solidFill>
+                <a:latin typeface="Arial Black" panose="020B0A04020102020204" pitchFamily="34" charset="0"/>
+              </a:rPr>
               <a:t>Welcome</a:t>
             </a:r>
-            <a:endParaRPr lang="en-GB" dirty="0"/>
+            <a:endParaRPr lang="en-GB" dirty="0">
+              <a:solidFill>
+                <a:schemeClr val="accent6">
+                  <a:lumMod val="75000"/>
+                </a:schemeClr>
+              </a:solidFill>
+              <a:latin typeface="Arial Black" panose="020B0A04020102020204" pitchFamily="34" charset="0"/>
+            </a:endParaRPr>
           </a:p>
         </p:txBody>
       </p:sp>
@@ -3087,6 +3103,184 @@
             </a:br>
             <a:r>
               <a:rPr lang="en-GB" dirty="0" smtClean="0"/>
+              <a:t>The App was developed in Visual Studio 2010.</a:t>
+            </a:r>
+            <a:endParaRPr lang="en-GB" dirty="0"/>
+          </a:p>
+        </p:txBody>
+      </p:sp>
+      <p:pic>
+        <p:nvPicPr>
+          <p:cNvPr id="6" name="Content Placeholder 5"/>
+          <p:cNvPicPr>
+            <a:picLocks noGrp="1"/>
+          </p:cNvPicPr>
+          <p:nvPr>
+            <p:ph idx="1"/>
+          </p:nvPr>
+        </p:nvPicPr>
+        <p:blipFill>
+          <a:blip r:embed="rId2"/>
+          <a:stretch>
+            <a:fillRect/>
+          </a:stretch>
+        </p:blipFill>
+        <p:spPr>
+          <a:xfrm>
+            <a:off x="2226255" y="2041525"/>
+            <a:ext cx="7739489" cy="4351338"/>
+          </a:xfrm>
+          <a:prstGeom prst="rect">
+            <a:avLst/>
+          </a:prstGeom>
+        </p:spPr>
+      </p:pic>
+    </p:spTree>
+    <p:extLst>
+      <p:ext uri="{BB962C8B-B14F-4D97-AF65-F5344CB8AC3E}">
+        <p14:creationId xmlns:p14="http://schemas.microsoft.com/office/powerpoint/2010/main" val="1890568682"/>
+      </p:ext>
+    </p:extLst>
+  </p:cSld>
+  <p:clrMapOvr>
+    <a:masterClrMapping/>
+  </p:clrMapOvr>
+</p:sld>
+</file>
+
+<file path=ppt/slides/slide11.xml><?xml version="1.0" encoding="utf-8"?>
+<p:sld xmlns:a="http://schemas.openxmlformats.org/drawingml/2006/main" xmlns:r="http://schemas.openxmlformats.org/officeDocument/2006/relationships" xmlns:p="http://schemas.openxmlformats.org/presentationml/2006/main">
+  <p:cSld>
+    <p:spTree>
+      <p:nvGrpSpPr>
+        <p:cNvPr id="1" name=""/>
+        <p:cNvGrpSpPr/>
+        <p:nvPr/>
+      </p:nvGrpSpPr>
+      <p:grpSpPr>
+        <a:xfrm>
+          <a:off x="0" y="0"/>
+          <a:ext cx="0" cy="0"/>
+          <a:chOff x="0" y="0"/>
+          <a:chExt cx="0" cy="0"/>
+        </a:xfrm>
+      </p:grpSpPr>
+      <p:sp>
+        <p:nvSpPr>
+          <p:cNvPr id="2" name="Title 1"/>
+          <p:cNvSpPr>
+            <a:spLocks noGrp="1"/>
+          </p:cNvSpPr>
+          <p:nvPr>
+            <p:ph type="title"/>
+          </p:nvPr>
+        </p:nvSpPr>
+        <p:spPr/>
+        <p:txBody>
+          <a:bodyPr>
+            <a:normAutofit fontScale="90000"/>
+          </a:bodyPr>
+          <a:lstStyle/>
+          <a:p>
+            <a:pPr algn="ctr"/>
+            <a:r>
+              <a:rPr lang="en-GB" dirty="0" smtClean="0"/>
+              <a:t>The first designs were quite different. they show the evolution to the final design. </a:t>
+            </a:r>
+            <a:br>
+              <a:rPr lang="en-GB" dirty="0" smtClean="0"/>
+            </a:br>
+            <a:r>
+              <a:rPr lang="en-GB" dirty="0" smtClean="0"/>
+              <a:t>Using a pen and paper is also a good option to design.</a:t>
+            </a:r>
+            <a:endParaRPr lang="en-GB" dirty="0"/>
+          </a:p>
+        </p:txBody>
+      </p:sp>
+      <p:pic>
+        <p:nvPicPr>
+          <p:cNvPr id="5" name="Content Placeholder 4"/>
+          <p:cNvPicPr>
+            <a:picLocks noGrp="1"/>
+          </p:cNvPicPr>
+          <p:nvPr>
+            <p:ph idx="1"/>
+          </p:nvPr>
+        </p:nvPicPr>
+        <p:blipFill>
+          <a:blip r:embed="rId2"/>
+          <a:stretch>
+            <a:fillRect/>
+          </a:stretch>
+        </p:blipFill>
+        <p:spPr>
+          <a:xfrm>
+            <a:off x="2226255" y="2105025"/>
+            <a:ext cx="7739489" cy="4351338"/>
+          </a:xfrm>
+          <a:prstGeom prst="rect">
+            <a:avLst/>
+          </a:prstGeom>
+        </p:spPr>
+      </p:pic>
+    </p:spTree>
+    <p:extLst>
+      <p:ext uri="{BB962C8B-B14F-4D97-AF65-F5344CB8AC3E}">
+        <p14:creationId xmlns:p14="http://schemas.microsoft.com/office/powerpoint/2010/main" val="2680179981"/>
+      </p:ext>
+    </p:extLst>
+  </p:cSld>
+  <p:clrMapOvr>
+    <a:masterClrMapping/>
+  </p:clrMapOvr>
+</p:sld>
+</file>
+
+<file path=ppt/slides/slide12.xml><?xml version="1.0" encoding="utf-8"?>
+<p:sld xmlns:a="http://schemas.openxmlformats.org/drawingml/2006/main" xmlns:r="http://schemas.openxmlformats.org/officeDocument/2006/relationships" xmlns:p="http://schemas.openxmlformats.org/presentationml/2006/main">
+  <p:cSld>
+    <p:spTree>
+      <p:nvGrpSpPr>
+        <p:cNvPr id="1" name=""/>
+        <p:cNvGrpSpPr/>
+        <p:nvPr/>
+      </p:nvGrpSpPr>
+      <p:grpSpPr>
+        <a:xfrm>
+          <a:off x="0" y="0"/>
+          <a:ext cx="0" cy="0"/>
+          <a:chOff x="0" y="0"/>
+          <a:chExt cx="0" cy="0"/>
+        </a:xfrm>
+      </p:grpSpPr>
+      <p:sp>
+        <p:nvSpPr>
+          <p:cNvPr id="2" name="Title 1"/>
+          <p:cNvSpPr>
+            <a:spLocks noGrp="1"/>
+          </p:cNvSpPr>
+          <p:nvPr>
+            <p:ph type="title"/>
+          </p:nvPr>
+        </p:nvSpPr>
+        <p:spPr/>
+        <p:txBody>
+          <a:bodyPr>
+            <a:normAutofit fontScale="90000"/>
+          </a:bodyPr>
+          <a:lstStyle/>
+          <a:p>
+            <a:pPr algn="ctr"/>
+            <a:r>
+              <a:rPr lang="en-GB" dirty="0" smtClean="0"/>
+              <a:t>The first designs were quite different. they show the evolution to the final design. </a:t>
+            </a:r>
+            <a:br>
+              <a:rPr lang="en-GB" dirty="0" smtClean="0"/>
+            </a:br>
+            <a:r>
+              <a:rPr lang="en-GB" dirty="0" smtClean="0"/>
               <a:t>Critical assessment of the user process flow also helps.</a:t>
             </a:r>
             <a:endParaRPr lang="en-GB" dirty="0"/>
@@ -3132,7 +3326,7 @@
 </p:sld>
 </file>
 
-<file path=ppt/slides/slide11.xml><?xml version="1.0" encoding="utf-8"?>
+<file path=ppt/slides/slide13.xml><?xml version="1.0" encoding="utf-8"?>
 <p:sld xmlns:a="http://schemas.openxmlformats.org/drawingml/2006/main" xmlns:r="http://schemas.openxmlformats.org/officeDocument/2006/relationships" xmlns:p="http://schemas.openxmlformats.org/presentationml/2006/main">
   <p:cSld>
     <p:spTree>
@@ -3221,7 +3415,7 @@
 </p:sld>
 </file>
 
-<file path=ppt/slides/slide12.xml><?xml version="1.0" encoding="utf-8"?>
+<file path=ppt/slides/slide14.xml><?xml version="1.0" encoding="utf-8"?>
 <p:sld xmlns:a="http://schemas.openxmlformats.org/drawingml/2006/main" xmlns:r="http://schemas.openxmlformats.org/officeDocument/2006/relationships" xmlns:p="http://schemas.openxmlformats.org/presentationml/2006/main">
   <p:cSld>
     <p:spTree>
@@ -3310,7 +3504,7 @@
 </p:sld>
 </file>
 
-<file path=ppt/slides/slide13.xml><?xml version="1.0" encoding="utf-8"?>
+<file path=ppt/slides/slide15.xml><?xml version="1.0" encoding="utf-8"?>
 <p:sld xmlns:a="http://schemas.openxmlformats.org/drawingml/2006/main" xmlns:r="http://schemas.openxmlformats.org/officeDocument/2006/relationships" xmlns:p="http://schemas.openxmlformats.org/presentationml/2006/main">
   <p:cSld>
     <p:spTree>
@@ -3408,7 +3602,7 @@
 </p:sld>
 </file>
 
-<file path=ppt/slides/slide14.xml><?xml version="1.0" encoding="utf-8"?>
+<file path=ppt/slides/slide16.xml><?xml version="1.0" encoding="utf-8"?>
 <p:sld xmlns:a="http://schemas.openxmlformats.org/drawingml/2006/main" xmlns:r="http://schemas.openxmlformats.org/officeDocument/2006/relationships" xmlns:p="http://schemas.openxmlformats.org/presentationml/2006/main">
   <p:cSld>
     <p:spTree>
@@ -3506,7 +3700,7 @@
 </p:sld>
 </file>
 
-<file path=ppt/slides/slide15.xml><?xml version="1.0" encoding="utf-8"?>
+<file path=ppt/slides/slide17.xml><?xml version="1.0" encoding="utf-8"?>
 <p:sld xmlns:a="http://schemas.openxmlformats.org/drawingml/2006/main" xmlns:r="http://schemas.openxmlformats.org/officeDocument/2006/relationships" xmlns:p="http://schemas.openxmlformats.org/presentationml/2006/main">
   <p:cSld>
     <p:spTree>
@@ -3649,7 +3843,7 @@
 </p:sld>
 </file>
 
-<file path=ppt/slides/slide16.xml><?xml version="1.0" encoding="utf-8"?>
+<file path=ppt/slides/slide18.xml><?xml version="1.0" encoding="utf-8"?>
 <p:sld xmlns:a="http://schemas.openxmlformats.org/drawingml/2006/main" xmlns:r="http://schemas.openxmlformats.org/officeDocument/2006/relationships" xmlns:p="http://schemas.openxmlformats.org/presentationml/2006/main">
   <p:cSld>
     <p:spTree>
@@ -3771,6 +3965,166 @@
         </p:nvSpPr>
         <p:spPr/>
         <p:txBody>
+          <a:bodyPr/>
+          <a:lstStyle/>
+          <a:p>
+            <a:pPr algn="ctr"/>
+            <a:r>
+              <a:rPr lang="en-GB" dirty="0" smtClean="0"/>
+              <a:t>Final Screen Design</a:t>
+            </a:r>
+            <a:endParaRPr lang="en-GB" dirty="0"/>
+          </a:p>
+        </p:txBody>
+      </p:sp>
+      <p:pic>
+        <p:nvPicPr>
+          <p:cNvPr id="10" name="Content Placeholder 9"/>
+          <p:cNvPicPr>
+            <a:picLocks noGrp="1" noChangeAspect="1"/>
+          </p:cNvPicPr>
+          <p:nvPr>
+            <p:ph idx="1"/>
+          </p:nvPr>
+        </p:nvPicPr>
+        <p:blipFill>
+          <a:blip r:embed="rId2"/>
+          <a:stretch>
+            <a:fillRect/>
+          </a:stretch>
+        </p:blipFill>
+        <p:spPr>
+          <a:xfrm>
+            <a:off x="1384300" y="1320800"/>
+            <a:ext cx="9537699" cy="5295900"/>
+          </a:xfrm>
+          <a:prstGeom prst="rect">
+            <a:avLst/>
+          </a:prstGeom>
+        </p:spPr>
+      </p:pic>
+    </p:spTree>
+    <p:extLst>
+      <p:ext uri="{BB962C8B-B14F-4D97-AF65-F5344CB8AC3E}">
+        <p14:creationId xmlns:p14="http://schemas.microsoft.com/office/powerpoint/2010/main" val="1589049185"/>
+      </p:ext>
+    </p:extLst>
+  </p:cSld>
+  <p:clrMapOvr>
+    <a:masterClrMapping/>
+  </p:clrMapOvr>
+</p:sld>
+</file>
+
+<file path=ppt/slides/slide3.xml><?xml version="1.0" encoding="utf-8"?>
+<p:sld xmlns:a="http://schemas.openxmlformats.org/drawingml/2006/main" xmlns:r="http://schemas.openxmlformats.org/officeDocument/2006/relationships" xmlns:p="http://schemas.openxmlformats.org/presentationml/2006/main">
+  <p:cSld>
+    <p:spTree>
+      <p:nvGrpSpPr>
+        <p:cNvPr id="1" name=""/>
+        <p:cNvGrpSpPr/>
+        <p:nvPr/>
+      </p:nvGrpSpPr>
+      <p:grpSpPr>
+        <a:xfrm>
+          <a:off x="0" y="0"/>
+          <a:ext cx="0" cy="0"/>
+          <a:chOff x="0" y="0"/>
+          <a:chExt cx="0" cy="0"/>
+        </a:xfrm>
+      </p:grpSpPr>
+      <p:sp>
+        <p:nvSpPr>
+          <p:cNvPr id="2" name="Title 1"/>
+          <p:cNvSpPr>
+            <a:spLocks noGrp="1"/>
+          </p:cNvSpPr>
+          <p:nvPr>
+            <p:ph type="title"/>
+          </p:nvPr>
+        </p:nvSpPr>
+        <p:spPr/>
+        <p:txBody>
+          <a:bodyPr/>
+          <a:lstStyle/>
+          <a:p>
+            <a:pPr algn="ctr"/>
+            <a:r>
+              <a:rPr lang="en-GB" dirty="0" smtClean="0"/>
+              <a:t>Final Screen Design</a:t>
+            </a:r>
+            <a:endParaRPr lang="en-GB" dirty="0"/>
+          </a:p>
+        </p:txBody>
+      </p:sp>
+      <p:pic>
+        <p:nvPicPr>
+          <p:cNvPr id="4" name="Content Placeholder 3"/>
+          <p:cNvPicPr>
+            <a:picLocks noGrp="1" noChangeAspect="1"/>
+          </p:cNvPicPr>
+          <p:nvPr>
+            <p:ph idx="1"/>
+          </p:nvPr>
+        </p:nvPicPr>
+        <p:blipFill>
+          <a:blip r:embed="rId2"/>
+          <a:stretch>
+            <a:fillRect/>
+          </a:stretch>
+        </p:blipFill>
+        <p:spPr>
+          <a:xfrm>
+            <a:off x="2226255" y="1825625"/>
+            <a:ext cx="7739489" cy="4351338"/>
+          </a:xfrm>
+          <a:prstGeom prst="rect">
+            <a:avLst/>
+          </a:prstGeom>
+        </p:spPr>
+      </p:pic>
+    </p:spTree>
+    <p:extLst>
+      <p:ext uri="{BB962C8B-B14F-4D97-AF65-F5344CB8AC3E}">
+        <p14:creationId xmlns:p14="http://schemas.microsoft.com/office/powerpoint/2010/main" val="778037520"/>
+      </p:ext>
+    </p:extLst>
+  </p:cSld>
+  <p:clrMapOvr>
+    <a:masterClrMapping/>
+  </p:clrMapOvr>
+</p:sld>
+</file>
+
+<file path=ppt/slides/slide4.xml><?xml version="1.0" encoding="utf-8"?>
+<p:sld xmlns:a="http://schemas.openxmlformats.org/drawingml/2006/main" xmlns:r="http://schemas.openxmlformats.org/officeDocument/2006/relationships" xmlns:p="http://schemas.openxmlformats.org/presentationml/2006/main">
+  <p:cSld>
+    <p:spTree>
+      <p:nvGrpSpPr>
+        <p:cNvPr id="1" name=""/>
+        <p:cNvGrpSpPr/>
+        <p:nvPr/>
+      </p:nvGrpSpPr>
+      <p:grpSpPr>
+        <a:xfrm>
+          <a:off x="0" y="0"/>
+          <a:ext cx="0" cy="0"/>
+          <a:chOff x="0" y="0"/>
+          <a:chExt cx="0" cy="0"/>
+        </a:xfrm>
+      </p:grpSpPr>
+      <p:sp>
+        <p:nvSpPr>
+          <p:cNvPr id="2" name="Title 1"/>
+          <p:cNvSpPr>
+            <a:spLocks noGrp="1"/>
+          </p:cNvSpPr>
+          <p:nvPr>
+            <p:ph type="title"/>
+          </p:nvPr>
+        </p:nvSpPr>
+        <p:spPr/>
+        <p:txBody>
           <a:bodyPr>
             <a:normAutofit/>
           </a:bodyPr>
@@ -3824,7 +4178,7 @@
 </p:sld>
 </file>
 
-<file path=ppt/slides/slide3.xml><?xml version="1.0" encoding="utf-8"?>
+<file path=ppt/slides/slide5.xml><?xml version="1.0" encoding="utf-8"?>
 <p:sld xmlns:a="http://schemas.openxmlformats.org/drawingml/2006/main" xmlns:r="http://schemas.openxmlformats.org/officeDocument/2006/relationships" xmlns:p="http://schemas.openxmlformats.org/presentationml/2006/main">
   <p:cSld>
     <p:spTree>
@@ -3913,7 +4267,7 @@
 </p:sld>
 </file>
 
-<file path=ppt/slides/slide4.xml><?xml version="1.0" encoding="utf-8"?>
+<file path=ppt/slides/slide6.xml><?xml version="1.0" encoding="utf-8"?>
 <p:sld xmlns:a="http://schemas.openxmlformats.org/drawingml/2006/main" xmlns:r="http://schemas.openxmlformats.org/officeDocument/2006/relationships" xmlns:p="http://schemas.openxmlformats.org/presentationml/2006/main">
   <p:cSld>
     <p:spTree>
@@ -4002,7 +4356,7 @@
 </p:sld>
 </file>
 
-<file path=ppt/slides/slide5.xml><?xml version="1.0" encoding="utf-8"?>
+<file path=ppt/slides/slide7.xml><?xml version="1.0" encoding="utf-8"?>
 <p:sld xmlns:a="http://schemas.openxmlformats.org/drawingml/2006/main" xmlns:r="http://schemas.openxmlformats.org/officeDocument/2006/relationships" xmlns:p="http://schemas.openxmlformats.org/presentationml/2006/main">
   <p:cSld>
     <p:spTree>
@@ -4091,7 +4445,7 @@
 </p:sld>
 </file>
 
-<file path=ppt/slides/slide6.xml><?xml version="1.0" encoding="utf-8"?>
+<file path=ppt/slides/slide8.xml><?xml version="1.0" encoding="utf-8"?>
 <p:sld xmlns:a="http://schemas.openxmlformats.org/drawingml/2006/main" xmlns:r="http://schemas.openxmlformats.org/officeDocument/2006/relationships" xmlns:p="http://schemas.openxmlformats.org/presentationml/2006/main">
   <p:cSld>
     <p:spTree>
@@ -4180,7 +4534,7 @@
 </p:sld>
 </file>
 
-<file path=ppt/slides/slide7.xml><?xml version="1.0" encoding="utf-8"?>
+<file path=ppt/slides/slide9.xml><?xml version="1.0" encoding="utf-8"?>
 <p:sld xmlns:a="http://schemas.openxmlformats.org/drawingml/2006/main" xmlns:r="http://schemas.openxmlformats.org/officeDocument/2006/relationships" xmlns:p="http://schemas.openxmlformats.org/presentationml/2006/main">
   <p:cSld>
     <p:spTree>
@@ -4260,184 +4614,6 @@
     <p:extLst>
       <p:ext uri="{BB962C8B-B14F-4D97-AF65-F5344CB8AC3E}">
         <p14:creationId xmlns:p14="http://schemas.microsoft.com/office/powerpoint/2010/main" val="971188206"/>
-      </p:ext>
-    </p:extLst>
-  </p:cSld>
-  <p:clrMapOvr>
-    <a:masterClrMapping/>
-  </p:clrMapOvr>
-</p:sld>
-</file>
-
-<file path=ppt/slides/slide8.xml><?xml version="1.0" encoding="utf-8"?>
-<p:sld xmlns:a="http://schemas.openxmlformats.org/drawingml/2006/main" xmlns:r="http://schemas.openxmlformats.org/officeDocument/2006/relationships" xmlns:p="http://schemas.openxmlformats.org/presentationml/2006/main">
-  <p:cSld>
-    <p:spTree>
-      <p:nvGrpSpPr>
-        <p:cNvPr id="1" name=""/>
-        <p:cNvGrpSpPr/>
-        <p:nvPr/>
-      </p:nvGrpSpPr>
-      <p:grpSpPr>
-        <a:xfrm>
-          <a:off x="0" y="0"/>
-          <a:ext cx="0" cy="0"/>
-          <a:chOff x="0" y="0"/>
-          <a:chExt cx="0" cy="0"/>
-        </a:xfrm>
-      </p:grpSpPr>
-      <p:sp>
-        <p:nvSpPr>
-          <p:cNvPr id="2" name="Title 1"/>
-          <p:cNvSpPr>
-            <a:spLocks noGrp="1"/>
-          </p:cNvSpPr>
-          <p:nvPr>
-            <p:ph type="title"/>
-          </p:nvPr>
-        </p:nvSpPr>
-        <p:spPr/>
-        <p:txBody>
-          <a:bodyPr>
-            <a:normAutofit fontScale="90000"/>
-          </a:bodyPr>
-          <a:lstStyle/>
-          <a:p>
-            <a:pPr algn="ctr"/>
-            <a:r>
-              <a:rPr lang="en-GB" dirty="0" smtClean="0"/>
-              <a:t>The first designs were quite different. they show the evolution to the final design. </a:t>
-            </a:r>
-            <a:br>
-              <a:rPr lang="en-GB" dirty="0" smtClean="0"/>
-            </a:br>
-            <a:r>
-              <a:rPr lang="en-GB" dirty="0" smtClean="0"/>
-              <a:t>The App was developed in Visual Studio 2010.</a:t>
-            </a:r>
-            <a:endParaRPr lang="en-GB" dirty="0"/>
-          </a:p>
-        </p:txBody>
-      </p:sp>
-      <p:pic>
-        <p:nvPicPr>
-          <p:cNvPr id="6" name="Content Placeholder 5"/>
-          <p:cNvPicPr>
-            <a:picLocks noGrp="1"/>
-          </p:cNvPicPr>
-          <p:nvPr>
-            <p:ph idx="1"/>
-          </p:nvPr>
-        </p:nvPicPr>
-        <p:blipFill>
-          <a:blip r:embed="rId2"/>
-          <a:stretch>
-            <a:fillRect/>
-          </a:stretch>
-        </p:blipFill>
-        <p:spPr>
-          <a:xfrm>
-            <a:off x="2226255" y="2041525"/>
-            <a:ext cx="7739489" cy="4351338"/>
-          </a:xfrm>
-          <a:prstGeom prst="rect">
-            <a:avLst/>
-          </a:prstGeom>
-        </p:spPr>
-      </p:pic>
-    </p:spTree>
-    <p:extLst>
-      <p:ext uri="{BB962C8B-B14F-4D97-AF65-F5344CB8AC3E}">
-        <p14:creationId xmlns:p14="http://schemas.microsoft.com/office/powerpoint/2010/main" val="1890568682"/>
-      </p:ext>
-    </p:extLst>
-  </p:cSld>
-  <p:clrMapOvr>
-    <a:masterClrMapping/>
-  </p:clrMapOvr>
-</p:sld>
-</file>
-
-<file path=ppt/slides/slide9.xml><?xml version="1.0" encoding="utf-8"?>
-<p:sld xmlns:a="http://schemas.openxmlformats.org/drawingml/2006/main" xmlns:r="http://schemas.openxmlformats.org/officeDocument/2006/relationships" xmlns:p="http://schemas.openxmlformats.org/presentationml/2006/main">
-  <p:cSld>
-    <p:spTree>
-      <p:nvGrpSpPr>
-        <p:cNvPr id="1" name=""/>
-        <p:cNvGrpSpPr/>
-        <p:nvPr/>
-      </p:nvGrpSpPr>
-      <p:grpSpPr>
-        <a:xfrm>
-          <a:off x="0" y="0"/>
-          <a:ext cx="0" cy="0"/>
-          <a:chOff x="0" y="0"/>
-          <a:chExt cx="0" cy="0"/>
-        </a:xfrm>
-      </p:grpSpPr>
-      <p:sp>
-        <p:nvSpPr>
-          <p:cNvPr id="2" name="Title 1"/>
-          <p:cNvSpPr>
-            <a:spLocks noGrp="1"/>
-          </p:cNvSpPr>
-          <p:nvPr>
-            <p:ph type="title"/>
-          </p:nvPr>
-        </p:nvSpPr>
-        <p:spPr/>
-        <p:txBody>
-          <a:bodyPr>
-            <a:normAutofit fontScale="90000"/>
-          </a:bodyPr>
-          <a:lstStyle/>
-          <a:p>
-            <a:pPr algn="ctr"/>
-            <a:r>
-              <a:rPr lang="en-GB" dirty="0" smtClean="0"/>
-              <a:t>The first designs were quite different. they show the evolution to the final design. </a:t>
-            </a:r>
-            <a:br>
-              <a:rPr lang="en-GB" dirty="0" smtClean="0"/>
-            </a:br>
-            <a:r>
-              <a:rPr lang="en-GB" dirty="0" smtClean="0"/>
-              <a:t>Using a pen and paper is also a good option to design.</a:t>
-            </a:r>
-            <a:endParaRPr lang="en-GB" dirty="0"/>
-          </a:p>
-        </p:txBody>
-      </p:sp>
-      <p:pic>
-        <p:nvPicPr>
-          <p:cNvPr id="5" name="Content Placeholder 4"/>
-          <p:cNvPicPr>
-            <a:picLocks noGrp="1"/>
-          </p:cNvPicPr>
-          <p:nvPr>
-            <p:ph idx="1"/>
-          </p:nvPr>
-        </p:nvPicPr>
-        <p:blipFill>
-          <a:blip r:embed="rId2"/>
-          <a:stretch>
-            <a:fillRect/>
-          </a:stretch>
-        </p:blipFill>
-        <p:spPr>
-          <a:xfrm>
-            <a:off x="2226255" y="2105025"/>
-            <a:ext cx="7739489" cy="4351338"/>
-          </a:xfrm>
-          <a:prstGeom prst="rect">
-            <a:avLst/>
-          </a:prstGeom>
-        </p:spPr>
-      </p:pic>
-    </p:spTree>
-    <p:extLst>
-      <p:ext uri="{BB962C8B-B14F-4D97-AF65-F5344CB8AC3E}">
-        <p14:creationId xmlns:p14="http://schemas.microsoft.com/office/powerpoint/2010/main" val="2680179981"/>
       </p:ext>
     </p:extLst>
   </p:cSld>
